--- a/slides/Ethical AI - Principles and Practices/Ethical AI - Principles and Practices.pptx
+++ b/slides/Ethical AI - Principles and Practices/Ethical AI - Principles and Practices.pptx
@@ -124,6 +124,11 @@
       </a:defRPr>
     </a:lvl9pPr>
   </p:defaultTextStyle>
+  <p:extLst>
+    <p:ext uri="{EFAFB233-063F-42B5-8137-9DF3F51BA10A}">
+      <p15:sldGuideLst xmlns:p15="http://schemas.microsoft.com/office/powerpoint/2012/main"/>
+    </p:ext>
+  </p:extLst>
 </p:presentation>
 </file>
 
@@ -209,7 +214,7 @@
           <a:p>
             <a:fld id="{62590274-FF52-CE42-A617-528EC677505D}" type="datetimeFigureOut">
               <a:rPr lang="en-GB" smtClean="0"/>
-              <a:t>03/01/2025</a:t>
+              <a:t>08/01/2025</a:t>
             </a:fld>
             <a:endParaRPr lang="en-GB"/>
           </a:p>
@@ -4122,7 +4127,7 @@
               <a:pPr>
                 <a:defRPr/>
               </a:pPr>
-              <a:t>03/01/2025</a:t>
+              <a:t>08/01/2025</a:t>
             </a:fld>
             <a:endParaRPr lang="en-GB" altLang="en-US"/>
           </a:p>
@@ -4338,7 +4343,7 @@
               <a:pPr>
                 <a:defRPr/>
               </a:pPr>
-              <a:t>03/01/2025</a:t>
+              <a:t>08/01/2025</a:t>
             </a:fld>
             <a:endParaRPr lang="en-GB" altLang="en-US"/>
           </a:p>
@@ -4564,7 +4569,7 @@
               <a:pPr>
                 <a:defRPr/>
               </a:pPr>
-              <a:t>03/01/2025</a:t>
+              <a:t>08/01/2025</a:t>
             </a:fld>
             <a:endParaRPr lang="en-GB" altLang="en-US"/>
           </a:p>
@@ -4812,7 +4817,7 @@
               <a:pPr>
                 <a:defRPr/>
               </a:pPr>
-              <a:t>03/01/2025</a:t>
+              <a:t>08/01/2025</a:t>
             </a:fld>
             <a:endParaRPr lang="en-GB" altLang="en-US"/>
           </a:p>
@@ -5050,7 +5055,7 @@
               <a:pPr>
                 <a:defRPr/>
               </a:pPr>
-              <a:t>03/01/2025</a:t>
+              <a:t>08/01/2025</a:t>
             </a:fld>
             <a:endParaRPr lang="en-GB" altLang="en-US"/>
           </a:p>
@@ -5384,7 +5389,7 @@
               <a:pPr>
                 <a:defRPr/>
               </a:pPr>
-              <a:t>03/01/2025</a:t>
+              <a:t>08/01/2025</a:t>
             </a:fld>
             <a:endParaRPr lang="en-GB" altLang="en-US"/>
           </a:p>
@@ -5857,7 +5862,7 @@
               <a:pPr>
                 <a:defRPr/>
               </a:pPr>
-              <a:t>03/01/2025</a:t>
+              <a:t>08/01/2025</a:t>
             </a:fld>
             <a:endParaRPr lang="en-GB" altLang="en-US"/>
           </a:p>
@@ -6021,7 +6026,7 @@
               <a:pPr>
                 <a:defRPr/>
               </a:pPr>
-              <a:t>03/01/2025</a:t>
+              <a:t>08/01/2025</a:t>
             </a:fld>
             <a:endParaRPr lang="en-GB" altLang="en-US"/>
           </a:p>
@@ -6162,7 +6167,7 @@
               <a:pPr>
                 <a:defRPr/>
               </a:pPr>
-              <a:t>03/01/2025</a:t>
+              <a:t>08/01/2025</a:t>
             </a:fld>
             <a:endParaRPr lang="en-GB" altLang="en-US"/>
           </a:p>
@@ -6485,7 +6490,7 @@
               <a:pPr>
                 <a:defRPr/>
               </a:pPr>
-              <a:t>03/01/2025</a:t>
+              <a:t>08/01/2025</a:t>
             </a:fld>
             <a:endParaRPr lang="en-GB" altLang="en-US"/>
           </a:p>
@@ -6785,7 +6790,7 @@
               <a:pPr>
                 <a:defRPr/>
               </a:pPr>
-              <a:t>03/01/2025</a:t>
+              <a:t>08/01/2025</a:t>
             </a:fld>
             <a:endParaRPr lang="en-GB" altLang="en-US"/>
           </a:p>
@@ -7111,7 +7116,7 @@
               <a:pPr>
                 <a:defRPr/>
               </a:pPr>
-              <a:t>03/01/2025</a:t>
+              <a:t>08/01/2025</a:t>
             </a:fld>
             <a:endParaRPr lang="en-GB" altLang="en-US"/>
           </a:p>
@@ -10361,8 +10366,8 @@
         </p:nvSpPr>
         <p:spPr>
           <a:xfrm>
-            <a:off x="780245" y="2151727"/>
-            <a:ext cx="10631510" cy="2554545"/>
+            <a:off x="780245" y="1843950"/>
+            <a:ext cx="10631510" cy="3170099"/>
           </a:xfrm>
           <a:prstGeom prst="rect">
             <a:avLst/>
@@ -10381,14 +10386,14 @@
                 <a:latin typeface="Gill Sans MT" panose="020B0502020104020203" pitchFamily="34" charset="77"/>
                 <a:hlinkClick r:id="rId3"/>
               </a:rPr>
-              <a:t>The Belmont Report</a:t>
+              <a:t>The Belmont Report </a:t>
             </a:r>
             <a:r>
               <a:rPr lang="en-GB" sz="2000" dirty="0">
                 <a:effectLst/>
                 <a:latin typeface="Gill Sans MT" panose="020B0502020104020203" pitchFamily="34" charset="77"/>
               </a:rPr>
-              <a:t> (The National Commission, 1979) </a:t>
+              <a:t>(The National Commission, 1979) </a:t>
             </a:r>
           </a:p>
           <a:p>
@@ -10478,6 +10483,54 @@
                 <a:latin typeface="Gill Sans MT" panose="020B0502020104020203" pitchFamily="34" charset="77"/>
               </a:rPr>
               <a:t> of Philosophy)</a:t>
+            </a:r>
+          </a:p>
+          <a:p>
+            <a:endParaRPr lang="en-GB" sz="2000" dirty="0">
+              <a:solidFill>
+                <a:srgbClr val="000000"/>
+              </a:solidFill>
+              <a:latin typeface="Gill Sans MT" panose="020B0502020104020203" pitchFamily="34" charset="77"/>
+              <a:hlinkClick r:id="rId7"/>
+            </a:endParaRPr>
+          </a:p>
+          <a:p>
+            <a:r>
+              <a:rPr lang="en-GB" sz="2000" dirty="0">
+                <a:solidFill>
+                  <a:srgbClr val="000000"/>
+                </a:solidFill>
+                <a:latin typeface="Gill Sans MT" panose="020B0502020104020203" pitchFamily="34" charset="77"/>
+                <a:hlinkClick r:id="rId7"/>
+              </a:rPr>
+              <a:t>A Roadmap for an Ethical AI in Healthcare </a:t>
+            </a:r>
+            <a:r>
+              <a:rPr lang="en-GB" sz="2000" dirty="0">
+                <a:solidFill>
+                  <a:srgbClr val="000000"/>
+                </a:solidFill>
+                <a:latin typeface="Gill Sans MT" panose="020B0502020104020203" pitchFamily="34" charset="77"/>
+              </a:rPr>
+              <a:t>(Payam </a:t>
+            </a:r>
+            <a:r>
+              <a:rPr lang="en-GB" sz="2000" dirty="0" err="1">
+                <a:solidFill>
+                  <a:srgbClr val="000000"/>
+                </a:solidFill>
+                <a:latin typeface="Gill Sans MT" panose="020B0502020104020203" pitchFamily="34" charset="77"/>
+              </a:rPr>
+              <a:t>Barnaghi</a:t>
+            </a:r>
+            <a:r>
+              <a:rPr lang="en-GB" sz="2000" dirty="0">
+                <a:solidFill>
+                  <a:srgbClr val="000000"/>
+                </a:solidFill>
+                <a:latin typeface="Gill Sans MT" panose="020B0502020104020203" pitchFamily="34" charset="77"/>
+              </a:rPr>
+              <a:t>)</a:t>
             </a:r>
             <a:endParaRPr lang="en-GB" sz="2000" dirty="0">
               <a:latin typeface="Gill Sans MT" panose="020B0502020104020203" pitchFamily="34" charset="77"/>
